--- a/Varios/Proyecto bimestral poo.pptx
+++ b/Varios/Proyecto bimestral poo.pptx
@@ -223,7 +223,7 @@
           <a:p>
             <a:fld id="{B56F32FC-4BD9-442A-A8C6-51598C909FE3}" type="datetimeFigureOut">
               <a:rPr lang="en-US" smtClean="0"/>
-              <a:t>6/2/2024</a:t>
+              <a:t>6/4/2024</a:t>
             </a:fld>
             <a:endParaRPr lang="en-US" dirty="0"/>
           </a:p>
@@ -301,7 +301,7 @@
           <a:p>
             <a:fld id="{28EEFA9E-C190-4F5C-8394-BD5F1CD55C02}" type="slidenum">
               <a:rPr lang="en-US" smtClean="0"/>
-              <a:t>‹#›</a:t>
+              <a:t>‹Nº›</a:t>
             </a:fld>
             <a:endParaRPr lang="en-US" dirty="0"/>
           </a:p>
@@ -400,7 +400,7 @@
           <a:p>
             <a:fld id="{056371FA-A98D-41E8-93F4-09945841298A}" type="datetimeFigureOut">
               <a:rPr lang="en-US" smtClean="0"/>
-              <a:t>6/2/2024</a:t>
+              <a:t>6/4/2024</a:t>
             </a:fld>
             <a:endParaRPr lang="en-US" dirty="0"/>
           </a:p>
@@ -558,7 +558,7 @@
           <a:p>
             <a:fld id="{22289C57-55D7-40A4-A101-E74FAC7A092B}" type="slidenum">
               <a:rPr lang="en-US" smtClean="0"/>
-              <a:t>‹#›</a:t>
+              <a:t>‹Nº›</a:t>
             </a:fld>
             <a:endParaRPr lang="en-US" dirty="0"/>
           </a:p>
@@ -1826,7 +1826,7 @@
             <a:fld id="{A49DFD55-3C28-40EF-9E31-A92D2E4017FF}" type="slidenum">
               <a:rPr lang="en-US" smtClean="0"/>
               <a:pPr/>
-              <a:t>‹#›</a:t>
+              <a:t>‹Nº›</a:t>
             </a:fld>
             <a:endParaRPr lang="en-US" dirty="0"/>
           </a:p>
@@ -2473,7 +2473,7 @@
             <a:fld id="{A49DFD55-3C28-40EF-9E31-A92D2E4017FF}" type="slidenum">
               <a:rPr lang="en-US" smtClean="0"/>
               <a:pPr/>
-              <a:t>‹#›</a:t>
+              <a:t>‹Nº›</a:t>
             </a:fld>
             <a:endParaRPr lang="en-US" dirty="0"/>
           </a:p>
@@ -2819,7 +2819,7 @@
             <a:fld id="{A49DFD55-3C28-40EF-9E31-A92D2E4017FF}" type="slidenum">
               <a:rPr lang="en-US" smtClean="0"/>
               <a:pPr/>
-              <a:t>‹#›</a:t>
+              <a:t>‹Nº›</a:t>
             </a:fld>
             <a:endParaRPr lang="en-US" dirty="0"/>
           </a:p>
@@ -3094,7 +3094,7 @@
             <a:fld id="{A49DFD55-3C28-40EF-9E31-A92D2E4017FF}" type="slidenum">
               <a:rPr lang="en-US" smtClean="0"/>
               <a:pPr/>
-              <a:t>‹#›</a:t>
+              <a:t>‹Nº›</a:t>
             </a:fld>
             <a:endParaRPr lang="en-US" dirty="0"/>
           </a:p>
@@ -3424,7 +3424,7 @@
             <a:fld id="{A49DFD55-3C28-40EF-9E31-A92D2E4017FF}" type="slidenum">
               <a:rPr lang="en-US" smtClean="0"/>
               <a:pPr/>
-              <a:t>‹#›</a:t>
+              <a:t>‹Nº›</a:t>
             </a:fld>
             <a:endParaRPr lang="en-US" dirty="0"/>
           </a:p>
@@ -4294,7 +4294,7 @@
             <a:fld id="{A49DFD55-3C28-40EF-9E31-A92D2E4017FF}" type="slidenum">
               <a:rPr lang="en-US" smtClean="0"/>
               <a:pPr/>
-              <a:t>‹#›</a:t>
+              <a:t>‹Nº›</a:t>
             </a:fld>
             <a:endParaRPr lang="en-US" dirty="0"/>
           </a:p>
@@ -5006,7 +5006,7 @@
             <a:fld id="{A49DFD55-3C28-40EF-9E31-A92D2E4017FF}" type="slidenum">
               <a:rPr lang="en-US" smtClean="0"/>
               <a:pPr/>
-              <a:t>‹#›</a:t>
+              <a:t>‹Nº›</a:t>
             </a:fld>
             <a:endParaRPr lang="en-US" dirty="0"/>
           </a:p>
@@ -5661,7 +5661,7 @@
             <a:fld id="{A49DFD55-3C28-40EF-9E31-A92D2E4017FF}" type="slidenum">
               <a:rPr lang="en-US" smtClean="0"/>
               <a:pPr/>
-              <a:t>‹#›</a:t>
+              <a:t>‹Nº›</a:t>
             </a:fld>
             <a:endParaRPr lang="en-US" dirty="0"/>
           </a:p>
@@ -6050,7 +6050,7 @@
             <a:fld id="{A49DFD55-3C28-40EF-9E31-A92D2E4017FF}" type="slidenum">
               <a:rPr lang="en-US" smtClean="0"/>
               <a:pPr/>
-              <a:t>‹#›</a:t>
+              <a:t>‹Nº›</a:t>
             </a:fld>
             <a:endParaRPr lang="en-US" dirty="0"/>
           </a:p>
@@ -6454,7 +6454,7 @@
           <a:p>
             <a:fld id="{A49DFD55-3C28-40EF-9E31-A92D2E4017FF}" type="slidenum">
               <a:rPr lang="en-US" smtClean="0"/>
-              <a:t>‹#›</a:t>
+              <a:t>‹Nº›</a:t>
             </a:fld>
             <a:endParaRPr lang="en-US" dirty="0"/>
           </a:p>
@@ -6812,15 +6812,7 @@
           <a:p>
             <a:r>
               <a:rPr lang="en-US" dirty="0"/>
-              <a:t>Proyecto </a:t>
-            </a:r>
-            <a:r>
-              <a:rPr lang="en-US" dirty="0" err="1"/>
-              <a:t>bimestral</a:t>
-            </a:r>
-            <a:r>
-              <a:rPr lang="en-US" dirty="0"/>
-              <a:t> poo</a:t>
+              <a:t>Proyecto bimestrial poo</a:t>
             </a:r>
             <a:br>
               <a:rPr lang="en-US" dirty="0"/>
@@ -6904,10 +6896,9 @@
           <a:lstStyle/>
           <a:p>
             <a:r>
-              <a:rPr lang="en-US" dirty="0" err="1"/>
-              <a:t>Indice</a:t>
-            </a:r>
-            <a:endParaRPr lang="en-US" dirty="0"/>
+              <a:rPr lang="en-US" dirty="0"/>
+              <a:t>Indices</a:t>
+            </a:r>
           </a:p>
         </p:txBody>
       </p:sp>
@@ -7236,101 +7227,201 @@
           <a:lstStyle/>
           <a:p>
             <a:r>
-              <a:rPr lang="en-US" dirty="0"/>
+              <a:rPr lang="en-US" dirty="0">
+                <a:solidFill>
+                  <a:schemeClr val="bg1"/>
+                </a:solidFill>
+              </a:rPr>
               <a:t>Vamos a </a:t>
             </a:r>
             <a:r>
-              <a:rPr lang="en-US" dirty="0" err="1"/>
+              <a:rPr lang="en-US" dirty="0" err="1">
+                <a:solidFill>
+                  <a:schemeClr val="bg1"/>
+                </a:solidFill>
+              </a:rPr>
               <a:t>crear</a:t>
             </a:r>
             <a:r>
-              <a:rPr lang="en-US" dirty="0"/>
+              <a:rPr lang="en-US" dirty="0">
+                <a:solidFill>
+                  <a:schemeClr val="bg1"/>
+                </a:solidFill>
+              </a:rPr>
               <a:t> un </a:t>
             </a:r>
             <a:r>
-              <a:rPr lang="en-US" dirty="0" err="1"/>
+              <a:rPr lang="en-US" dirty="0" err="1">
+                <a:solidFill>
+                  <a:schemeClr val="bg1"/>
+                </a:solidFill>
+              </a:rPr>
               <a:t>codigo</a:t>
             </a:r>
             <a:r>
-              <a:rPr lang="en-US" dirty="0"/>
+              <a:rPr lang="en-US" dirty="0">
+                <a:solidFill>
+                  <a:schemeClr val="bg1"/>
+                </a:solidFill>
+              </a:rPr>
               <a:t> para </a:t>
             </a:r>
             <a:r>
-              <a:rPr lang="en-US" dirty="0" err="1"/>
+              <a:rPr lang="en-US" dirty="0" err="1">
+                <a:solidFill>
+                  <a:schemeClr val="bg1"/>
+                </a:solidFill>
+              </a:rPr>
               <a:t>desarrollar</a:t>
             </a:r>
             <a:r>
-              <a:rPr lang="en-US" dirty="0"/>
+              <a:rPr lang="en-US" dirty="0">
+                <a:solidFill>
+                  <a:schemeClr val="bg1"/>
+                </a:solidFill>
+              </a:rPr>
               <a:t> </a:t>
             </a:r>
             <a:r>
-              <a:rPr lang="en-US" dirty="0" err="1"/>
+              <a:rPr lang="en-US" dirty="0" err="1">
+                <a:solidFill>
+                  <a:schemeClr val="bg1"/>
+                </a:solidFill>
+              </a:rPr>
               <a:t>una</a:t>
             </a:r>
             <a:r>
-              <a:rPr lang="en-US" dirty="0"/>
+              <a:rPr lang="en-US" dirty="0">
+                <a:solidFill>
+                  <a:schemeClr val="bg1"/>
+                </a:solidFill>
+              </a:rPr>
               <a:t> web de </a:t>
             </a:r>
             <a:r>
-              <a:rPr lang="en-US" dirty="0" err="1"/>
+              <a:rPr lang="en-US" dirty="0" err="1">
+                <a:solidFill>
+                  <a:schemeClr val="bg1"/>
+                </a:solidFill>
+              </a:rPr>
               <a:t>admiciones</a:t>
             </a:r>
             <a:r>
-              <a:rPr lang="en-US" dirty="0"/>
+              <a:rPr lang="en-US" dirty="0">
+                <a:solidFill>
+                  <a:schemeClr val="bg1"/>
+                </a:solidFill>
+              </a:rPr>
               <a:t> de la UTPL la </a:t>
             </a:r>
             <a:r>
-              <a:rPr lang="en-US" dirty="0" err="1"/>
+              <a:rPr lang="en-US" dirty="0" err="1">
+                <a:solidFill>
+                  <a:schemeClr val="bg1"/>
+                </a:solidFill>
+              </a:rPr>
               <a:t>cual</a:t>
             </a:r>
             <a:r>
-              <a:rPr lang="en-US" dirty="0"/>
+              <a:rPr lang="en-US" dirty="0">
+                <a:solidFill>
+                  <a:schemeClr val="bg1"/>
+                </a:solidFill>
+              </a:rPr>
               <a:t> </a:t>
             </a:r>
             <a:r>
-              <a:rPr lang="en-US" dirty="0" err="1"/>
+              <a:rPr lang="en-US" dirty="0" err="1">
+                <a:solidFill>
+                  <a:schemeClr val="bg1"/>
+                </a:solidFill>
+              </a:rPr>
               <a:t>tiene</a:t>
             </a:r>
             <a:r>
-              <a:rPr lang="en-US" dirty="0"/>
+              <a:rPr lang="en-US" dirty="0">
+                <a:solidFill>
+                  <a:schemeClr val="bg1"/>
+                </a:solidFill>
+              </a:rPr>
               <a:t> </a:t>
             </a:r>
             <a:r>
-              <a:rPr lang="en-US" dirty="0" err="1"/>
+              <a:rPr lang="en-US" dirty="0" err="1">
+                <a:solidFill>
+                  <a:schemeClr val="bg1"/>
+                </a:solidFill>
+              </a:rPr>
               <a:t>como</a:t>
             </a:r>
             <a:r>
-              <a:rPr lang="en-US" dirty="0"/>
+              <a:rPr lang="en-US" dirty="0">
+                <a:solidFill>
+                  <a:schemeClr val="bg1"/>
+                </a:solidFill>
+              </a:rPr>
               <a:t> </a:t>
             </a:r>
             <a:r>
-              <a:rPr lang="en-US" dirty="0" err="1"/>
+              <a:rPr lang="en-US" dirty="0" err="1">
+                <a:solidFill>
+                  <a:schemeClr val="bg1"/>
+                </a:solidFill>
+              </a:rPr>
               <a:t>funcionalidad</a:t>
             </a:r>
             <a:r>
-              <a:rPr lang="en-US" dirty="0"/>
+              <a:rPr lang="en-US" dirty="0">
+                <a:solidFill>
+                  <a:schemeClr val="bg1"/>
+                </a:solidFill>
+              </a:rPr>
               <a:t> </a:t>
             </a:r>
             <a:r>
-              <a:rPr lang="en-US" dirty="0" err="1"/>
+              <a:rPr lang="en-US" dirty="0" err="1">
+                <a:solidFill>
+                  <a:schemeClr val="bg1"/>
+                </a:solidFill>
+              </a:rPr>
               <a:t>los</a:t>
             </a:r>
             <a:r>
-              <a:rPr lang="en-US" dirty="0"/>
+              <a:rPr lang="en-US" dirty="0">
+                <a:solidFill>
+                  <a:schemeClr val="bg1"/>
+                </a:solidFill>
+              </a:rPr>
               <a:t> </a:t>
             </a:r>
             <a:r>
-              <a:rPr lang="en-US" dirty="0" err="1"/>
+              <a:rPr lang="en-US" dirty="0" err="1">
+                <a:solidFill>
+                  <a:schemeClr val="bg1"/>
+                </a:solidFill>
+              </a:rPr>
               <a:t>siguientes</a:t>
             </a:r>
             <a:r>
-              <a:rPr lang="en-US" dirty="0"/>
+              <a:rPr lang="en-US" dirty="0">
+                <a:solidFill>
+                  <a:schemeClr val="bg1"/>
+                </a:solidFill>
+              </a:rPr>
               <a:t> puntos</a:t>
             </a:r>
             <a:br>
-              <a:rPr lang="en-US" dirty="0"/>
+              <a:rPr lang="en-US" dirty="0">
+                <a:solidFill>
+                  <a:schemeClr val="bg1"/>
+                </a:solidFill>
+              </a:rPr>
             </a:br>
-            <a:endParaRPr lang="en-US" dirty="0"/>
+            <a:endParaRPr lang="en-US" dirty="0">
+              <a:solidFill>
+                <a:schemeClr val="bg1"/>
+              </a:solidFill>
+            </a:endParaRPr>
           </a:p>
           <a:p>
             <a:pPr marL="285750" indent="-285750">
@@ -7338,58 +7429,114 @@
               <a:buChar char="•"/>
             </a:pPr>
             <a:r>
-              <a:rPr lang="en-US" dirty="0" err="1"/>
+              <a:rPr lang="en-US" dirty="0" err="1">
+                <a:solidFill>
+                  <a:schemeClr val="bg1"/>
+                </a:solidFill>
+              </a:rPr>
               <a:t>Mostrar</a:t>
             </a:r>
             <a:r>
-              <a:rPr lang="en-US" dirty="0"/>
+              <a:rPr lang="en-US" dirty="0">
+                <a:solidFill>
+                  <a:schemeClr val="bg1"/>
+                </a:solidFill>
+              </a:rPr>
               <a:t> </a:t>
             </a:r>
             <a:r>
-              <a:rPr lang="en-US" dirty="0" err="1"/>
+              <a:rPr lang="en-US" dirty="0" err="1">
+                <a:solidFill>
+                  <a:schemeClr val="bg1"/>
+                </a:solidFill>
+              </a:rPr>
               <a:t>todas</a:t>
             </a:r>
             <a:r>
-              <a:rPr lang="en-US" dirty="0"/>
+              <a:rPr lang="en-US" dirty="0">
+                <a:solidFill>
+                  <a:schemeClr val="bg1"/>
+                </a:solidFill>
+              </a:rPr>
               <a:t> las </a:t>
             </a:r>
             <a:r>
-              <a:rPr lang="en-US" dirty="0" err="1"/>
+              <a:rPr lang="en-US" dirty="0" err="1">
+                <a:solidFill>
+                  <a:schemeClr val="bg1"/>
+                </a:solidFill>
+              </a:rPr>
               <a:t>carreras</a:t>
             </a:r>
             <a:r>
-              <a:rPr lang="en-US" dirty="0"/>
+              <a:rPr lang="en-US" dirty="0">
+                <a:solidFill>
+                  <a:schemeClr val="bg1"/>
+                </a:solidFill>
+              </a:rPr>
               <a:t> </a:t>
             </a:r>
             <a:r>
-              <a:rPr lang="en-US" dirty="0" err="1"/>
+              <a:rPr lang="en-US" dirty="0" err="1">
+                <a:solidFill>
+                  <a:schemeClr val="bg1"/>
+                </a:solidFill>
+              </a:rPr>
               <a:t>disponibles</a:t>
             </a:r>
             <a:r>
-              <a:rPr lang="en-US" dirty="0"/>
+              <a:rPr lang="en-US" dirty="0">
+                <a:solidFill>
+                  <a:schemeClr val="bg1"/>
+                </a:solidFill>
+              </a:rPr>
               <a:t> </a:t>
             </a:r>
             <a:r>
-              <a:rPr lang="en-US" dirty="0" err="1"/>
+              <a:rPr lang="en-US" dirty="0" err="1">
+                <a:solidFill>
+                  <a:schemeClr val="bg1"/>
+                </a:solidFill>
+              </a:rPr>
               <a:t>en</a:t>
             </a:r>
             <a:r>
-              <a:rPr lang="en-US" dirty="0"/>
+              <a:rPr lang="en-US" dirty="0">
+                <a:solidFill>
+                  <a:schemeClr val="bg1"/>
+                </a:solidFill>
+              </a:rPr>
               <a:t> la </a:t>
             </a:r>
             <a:r>
-              <a:rPr lang="en-US" dirty="0" err="1"/>
+              <a:rPr lang="en-US" dirty="0" err="1">
+                <a:solidFill>
+                  <a:schemeClr val="bg1"/>
+                </a:solidFill>
+              </a:rPr>
               <a:t>Presencialidad</a:t>
             </a:r>
             <a:r>
-              <a:rPr lang="en-US" dirty="0"/>
+              <a:rPr lang="en-US" dirty="0">
+                <a:solidFill>
+                  <a:schemeClr val="bg1"/>
+                </a:solidFill>
+              </a:rPr>
               <a:t> y la </a:t>
             </a:r>
             <a:r>
-              <a:rPr lang="en-US" dirty="0" err="1"/>
+              <a:rPr lang="en-US" dirty="0" err="1">
+                <a:solidFill>
+                  <a:schemeClr val="bg1"/>
+                </a:solidFill>
+              </a:rPr>
               <a:t>Virtualidad</a:t>
             </a:r>
-            <a:endParaRPr lang="en-US" dirty="0"/>
+            <a:endParaRPr lang="en-US" dirty="0">
+              <a:solidFill>
+                <a:schemeClr val="bg1"/>
+              </a:solidFill>
+            </a:endParaRPr>
           </a:p>
           <a:p>
             <a:pPr marL="285750" indent="-285750">
@@ -7397,43 +7544,83 @@
               <a:buChar char="•"/>
             </a:pPr>
             <a:r>
-              <a:rPr lang="en-US" dirty="0" err="1"/>
+              <a:rPr lang="en-US" dirty="0" err="1">
+                <a:solidFill>
+                  <a:schemeClr val="bg1"/>
+                </a:solidFill>
+              </a:rPr>
               <a:t>Crear</a:t>
             </a:r>
             <a:r>
-              <a:rPr lang="en-US" dirty="0"/>
+              <a:rPr lang="en-US" dirty="0">
+                <a:solidFill>
+                  <a:schemeClr val="bg1"/>
+                </a:solidFill>
+              </a:rPr>
               <a:t> </a:t>
             </a:r>
             <a:r>
-              <a:rPr lang="en-US" dirty="0" err="1"/>
+              <a:rPr lang="en-US" dirty="0" err="1">
+                <a:solidFill>
+                  <a:schemeClr val="bg1"/>
+                </a:solidFill>
+              </a:rPr>
               <a:t>una</a:t>
             </a:r>
             <a:r>
-              <a:rPr lang="en-US" dirty="0"/>
+              <a:rPr lang="en-US" dirty="0">
+                <a:solidFill>
+                  <a:schemeClr val="bg1"/>
+                </a:solidFill>
+              </a:rPr>
               <a:t> </a:t>
             </a:r>
             <a:r>
-              <a:rPr lang="en-US" dirty="0" err="1"/>
+              <a:rPr lang="en-US" dirty="0" err="1">
+                <a:solidFill>
+                  <a:schemeClr val="bg1"/>
+                </a:solidFill>
+              </a:rPr>
               <a:t>cuenta</a:t>
             </a:r>
             <a:r>
-              <a:rPr lang="en-US" dirty="0"/>
+              <a:rPr lang="en-US" dirty="0">
+                <a:solidFill>
+                  <a:schemeClr val="bg1"/>
+                </a:solidFill>
+              </a:rPr>
               <a:t> </a:t>
             </a:r>
             <a:r>
-              <a:rPr lang="en-US" dirty="0" err="1"/>
+              <a:rPr lang="en-US" dirty="0" err="1">
+                <a:solidFill>
+                  <a:schemeClr val="bg1"/>
+                </a:solidFill>
+              </a:rPr>
               <a:t>en</a:t>
             </a:r>
             <a:r>
-              <a:rPr lang="en-US" dirty="0"/>
+              <a:rPr lang="en-US" dirty="0">
+                <a:solidFill>
+                  <a:schemeClr val="bg1"/>
+                </a:solidFill>
+              </a:rPr>
               <a:t> la </a:t>
             </a:r>
             <a:r>
-              <a:rPr lang="en-US" dirty="0" err="1"/>
+              <a:rPr lang="en-US" dirty="0" err="1">
+                <a:solidFill>
+                  <a:schemeClr val="bg1"/>
+                </a:solidFill>
+              </a:rPr>
               <a:t>pagina</a:t>
             </a:r>
             <a:r>
-              <a:rPr lang="en-US" dirty="0"/>
+              <a:rPr lang="en-US" dirty="0">
+                <a:solidFill>
+                  <a:schemeClr val="bg1"/>
+                </a:solidFill>
+              </a:rPr>
               <a:t> de la Universidad</a:t>
             </a:r>
           </a:p>
@@ -7443,34 +7630,66 @@
               <a:buChar char="•"/>
             </a:pPr>
             <a:r>
-              <a:rPr lang="en-US" dirty="0" err="1"/>
+              <a:rPr lang="en-US" dirty="0" err="1">
+                <a:solidFill>
+                  <a:schemeClr val="bg1"/>
+                </a:solidFill>
+              </a:rPr>
               <a:t>Mostrar</a:t>
             </a:r>
             <a:r>
-              <a:rPr lang="en-US" dirty="0"/>
+              <a:rPr lang="en-US" dirty="0">
+                <a:solidFill>
+                  <a:schemeClr val="bg1"/>
+                </a:solidFill>
+              </a:rPr>
               <a:t> la </a:t>
             </a:r>
             <a:r>
-              <a:rPr lang="en-US" dirty="0" err="1"/>
+              <a:rPr lang="en-US" dirty="0" err="1">
+                <a:solidFill>
+                  <a:schemeClr val="bg1"/>
+                </a:solidFill>
+              </a:rPr>
               <a:t>informacion</a:t>
             </a:r>
             <a:r>
-              <a:rPr lang="en-US" dirty="0"/>
+              <a:rPr lang="en-US" dirty="0">
+                <a:solidFill>
+                  <a:schemeClr val="bg1"/>
+                </a:solidFill>
+              </a:rPr>
               <a:t> de </a:t>
             </a:r>
             <a:r>
-              <a:rPr lang="en-US" dirty="0" err="1"/>
+              <a:rPr lang="en-US" dirty="0" err="1">
+                <a:solidFill>
+                  <a:schemeClr val="bg1"/>
+                </a:solidFill>
+              </a:rPr>
               <a:t>los</a:t>
             </a:r>
             <a:r>
-              <a:rPr lang="en-US" dirty="0"/>
+              <a:rPr lang="en-US" dirty="0">
+                <a:solidFill>
+                  <a:schemeClr val="bg1"/>
+                </a:solidFill>
+              </a:rPr>
               <a:t> </a:t>
             </a:r>
             <a:r>
-              <a:rPr lang="en-US" dirty="0" err="1"/>
+              <a:rPr lang="en-US" dirty="0" err="1">
+                <a:solidFill>
+                  <a:schemeClr val="bg1"/>
+                </a:solidFill>
+              </a:rPr>
               <a:t>Usuarios</a:t>
             </a:r>
-            <a:endParaRPr lang="en-US" dirty="0"/>
+            <a:endParaRPr lang="en-US" dirty="0">
+              <a:solidFill>
+                <a:schemeClr val="bg1"/>
+              </a:solidFill>
+            </a:endParaRPr>
           </a:p>
           <a:p>
             <a:pPr marL="285750" indent="-285750">
@@ -7478,18 +7697,34 @@
               <a:buChar char="•"/>
             </a:pPr>
             <a:r>
-              <a:rPr lang="en-US" dirty="0" err="1"/>
+              <a:rPr lang="en-US" dirty="0" err="1">
+                <a:solidFill>
+                  <a:schemeClr val="bg1"/>
+                </a:solidFill>
+              </a:rPr>
               <a:t>Controlar</a:t>
             </a:r>
             <a:r>
-              <a:rPr lang="en-US" dirty="0"/>
+              <a:rPr lang="en-US" dirty="0">
+                <a:solidFill>
+                  <a:schemeClr val="bg1"/>
+                </a:solidFill>
+              </a:rPr>
               <a:t> las </a:t>
             </a:r>
             <a:r>
-              <a:rPr lang="en-US" dirty="0" err="1"/>
+              <a:rPr lang="en-US" dirty="0" err="1">
+                <a:solidFill>
+                  <a:schemeClr val="bg1"/>
+                </a:solidFill>
+              </a:rPr>
               <a:t>admisiones</a:t>
             </a:r>
-            <a:endParaRPr lang="en-US" dirty="0"/>
+            <a:endParaRPr lang="en-US" dirty="0">
+              <a:solidFill>
+                <a:schemeClr val="bg1"/>
+              </a:solidFill>
+            </a:endParaRPr>
           </a:p>
         </p:txBody>
       </p:sp>
@@ -8063,7 +8298,7 @@
         </p:spPr>
         <p:txBody>
           <a:bodyPr>
-            <a:normAutofit fontScale="85000" lnSpcReduction="20000"/>
+            <a:normAutofit fontScale="70000" lnSpcReduction="20000"/>
           </a:bodyPr>
           <a:lstStyle/>
           <a:p>
@@ -8101,15 +8336,7 @@
             </a:r>
             <a:r>
               <a:rPr lang="en-US" dirty="0"/>
-              <a:t> de </a:t>
-            </a:r>
-            <a:r>
-              <a:rPr lang="en-US" dirty="0" err="1"/>
-              <a:t>los</a:t>
-            </a:r>
-            <a:r>
-              <a:rPr lang="en-US" dirty="0"/>
-              <a:t> </a:t>
+              <a:t> de los </a:t>
             </a:r>
             <a:r>
               <a:rPr lang="en-US" dirty="0" err="1"/>
@@ -8237,15 +8464,7 @@
             </a:r>
             <a:r>
               <a:rPr lang="en-US" dirty="0"/>
-              <a:t> </a:t>
-            </a:r>
-            <a:r>
-              <a:rPr lang="en-US" dirty="0" err="1"/>
-              <a:t>por</a:t>
-            </a:r>
-            <a:r>
-              <a:rPr lang="en-US" dirty="0"/>
-              <a:t> </a:t>
+              <a:t> por </a:t>
             </a:r>
             <a:r>
               <a:rPr lang="en-US" dirty="0" err="1"/>
@@ -8267,7 +8486,106 @@
               <a:rPr lang="en-US" dirty="0" err="1"/>
               <a:t>nacional</a:t>
             </a:r>
-            <a:endParaRPr lang="en-US" dirty="0"/>
+            <a:r>
+              <a:rPr lang="en-US" dirty="0"/>
+              <a:t> y </a:t>
+            </a:r>
+            <a:r>
+              <a:rPr lang="en-US" dirty="0" err="1"/>
+              <a:t>si</a:t>
+            </a:r>
+            <a:r>
+              <a:rPr lang="en-US" dirty="0"/>
+              <a:t> se le da un </a:t>
+            </a:r>
+            <a:r>
+              <a:rPr lang="en-US" dirty="0" err="1"/>
+              <a:t>cupo</a:t>
+            </a:r>
+            <a:r>
+              <a:rPr lang="en-US" dirty="0"/>
+              <a:t> o no </a:t>
+            </a:r>
+            <a:r>
+              <a:rPr lang="en-US" dirty="0" err="1"/>
+              <a:t>segun</a:t>
+            </a:r>
+            <a:r>
+              <a:rPr lang="en-US" dirty="0"/>
+              <a:t> </a:t>
+            </a:r>
+            <a:r>
+              <a:rPr lang="en-US" dirty="0" err="1"/>
+              <a:t>su</a:t>
+            </a:r>
+            <a:r>
+              <a:rPr lang="en-US" dirty="0"/>
+              <a:t> nota o </a:t>
+            </a:r>
+            <a:r>
+              <a:rPr lang="en-US" dirty="0" err="1"/>
+              <a:t>si</a:t>
+            </a:r>
+            <a:r>
+              <a:rPr lang="en-US" dirty="0"/>
+              <a:t> </a:t>
+            </a:r>
+            <a:r>
+              <a:rPr lang="en-US" dirty="0" err="1"/>
+              <a:t>en</a:t>
+            </a:r>
+            <a:r>
+              <a:rPr lang="en-US" dirty="0"/>
+              <a:t> </a:t>
+            </a:r>
+            <a:r>
+              <a:rPr lang="en-US" dirty="0" err="1"/>
+              <a:t>caso</a:t>
+            </a:r>
+            <a:r>
+              <a:rPr lang="en-US" dirty="0"/>
+              <a:t> </a:t>
+            </a:r>
+            <a:r>
+              <a:rPr lang="en-US" dirty="0" err="1"/>
+              <a:t>tiene</a:t>
+            </a:r>
+            <a:r>
+              <a:rPr lang="en-US" dirty="0"/>
+              <a:t> mas de 35% de </a:t>
+            </a:r>
+            <a:r>
+              <a:rPr lang="en-US" dirty="0" err="1"/>
+              <a:t>discapacidad</a:t>
+            </a:r>
+            <a:r>
+              <a:rPr lang="en-US" dirty="0"/>
+              <a:t> se le </a:t>
+            </a:r>
+            <a:r>
+              <a:rPr lang="en-US" dirty="0" err="1"/>
+              <a:t>otorga</a:t>
+            </a:r>
+            <a:r>
+              <a:rPr lang="en-US" dirty="0"/>
+              <a:t> </a:t>
+            </a:r>
+            <a:r>
+              <a:rPr lang="en-US" dirty="0" err="1"/>
+              <a:t>automaticamente</a:t>
+            </a:r>
+            <a:r>
+              <a:rPr lang="en-US" dirty="0"/>
+              <a:t> un </a:t>
+            </a:r>
+            <a:r>
+              <a:rPr lang="en-US" dirty="0" err="1"/>
+              <a:t>cupo</a:t>
+            </a:r>
+            <a:r>
+              <a:rPr lang="en-US" dirty="0"/>
+              <a:t>.</a:t>
+            </a:r>
           </a:p>
         </p:txBody>
       </p:sp>
@@ -8512,10 +8830,10 @@
   <a:themeElements>
     <a:clrScheme name="Custom 149">
       <a:dk1>
-        <a:sysClr val="windowText" lastClr="FFFFFF"/>
+        <a:sysClr val="windowText" lastClr="000000"/>
       </a:dk1>
       <a:lt1>
-        <a:sysClr val="window" lastClr="202020"/>
+        <a:sysClr val="window" lastClr="FFFFFF"/>
       </a:lt1>
       <a:dk2>
         <a:srgbClr val="44546A"/>
@@ -8713,10 +9031,10 @@
   <a:themeElements>
     <a:clrScheme name="Office">
       <a:dk1>
-        <a:sysClr val="windowText" lastClr="FFFFFF"/>
+        <a:sysClr val="windowText" lastClr="000000"/>
       </a:dk1>
       <a:lt1>
-        <a:sysClr val="window" lastClr="202020"/>
+        <a:sysClr val="window" lastClr="FFFFFF"/>
       </a:lt1>
       <a:dk2>
         <a:srgbClr val="44546A"/>
@@ -9008,10 +9326,10 @@
   <a:themeElements>
     <a:clrScheme name="Office">
       <a:dk1>
-        <a:sysClr val="windowText" lastClr="FFFFFF"/>
+        <a:sysClr val="windowText" lastClr="000000"/>
       </a:dk1>
       <a:lt1>
-        <a:sysClr val="window" lastClr="202020"/>
+        <a:sysClr val="window" lastClr="FFFFFF"/>
       </a:lt1>
       <a:dk2>
         <a:srgbClr val="44546A"/>
@@ -9299,35 +9617,6 @@
 </file>
 
 <file path=customXml/item1.xml><?xml version="1.0" encoding="utf-8"?>
-<p:properties xmlns:p="http://schemas.microsoft.com/office/2006/metadata/properties" xmlns:xsi="http://www.w3.org/2001/XMLSchema-instance" xmlns:pc="http://schemas.microsoft.com/office/infopath/2007/PartnerControls">
-  <documentManagement>
-    <_ip_UnifiedCompliancePolicyUIAction xmlns="http://schemas.microsoft.com/sharepoint/v3" xsi:nil="true"/>
-    <Image xmlns="71af3243-3dd4-4a8d-8c0d-dd76da1f02a5">
-      <Url xsi:nil="true"/>
-      <Description xsi:nil="true"/>
-    </Image>
-    <Status xmlns="71af3243-3dd4-4a8d-8c0d-dd76da1f02a5">Not started</Status>
-    <Background xmlns="71af3243-3dd4-4a8d-8c0d-dd76da1f02a5">false</Background>
-    <_ip_UnifiedCompliancePolicyProperties xmlns="http://schemas.microsoft.com/sharepoint/v3" xsi:nil="true"/>
-    <ImageTagsTaxHTField xmlns="71af3243-3dd4-4a8d-8c0d-dd76da1f02a5">
-      <Terms xmlns="http://schemas.microsoft.com/office/infopath/2007/PartnerControls"/>
-    </ImageTagsTaxHTField>
-    <TaxCatchAll xmlns="230e9df3-be65-4c73-a93b-d1236ebd677e" xsi:nil="true"/>
-    <MediaServiceKeyPoints xmlns="71af3243-3dd4-4a8d-8c0d-dd76da1f02a5" xsi:nil="true"/>
-  </documentManagement>
-</p:properties>
-</file>
-
-<file path=customXml/item2.xml><?xml version="1.0" encoding="utf-8"?>
-<?mso-contentType ?>
-<FormTemplates xmlns="http://schemas.microsoft.com/sharepoint/v3/contenttype/forms">
-  <Display>DocumentLibraryForm</Display>
-  <Edit>DocumentLibraryForm</Edit>
-  <New>DocumentLibraryForm</New>
-</FormTemplates>
-</file>
-
-<file path=customXml/item3.xml><?xml version="1.0" encoding="utf-8"?>
 <ct:contentTypeSchema xmlns:ct="http://schemas.microsoft.com/office/2006/metadata/contentType" xmlns:ma="http://schemas.microsoft.com/office/2006/metadata/properties/metaAttributes" ct:_="" ma:_="" ma:contentTypeName="Document" ma:contentTypeID="0x01010079F111ED35F8CC479449609E8A0923A6" ma:contentTypeVersion="28" ma:contentTypeDescription="Create a new document." ma:contentTypeScope="" ma:versionID="60f5a4f2d2b0abadcf532d48ebf9cb71">
   <xsd:schema xmlns:xsd="http://www.w3.org/2001/XMLSchema" xmlns:xs="http://www.w3.org/2001/XMLSchema" xmlns:p="http://schemas.microsoft.com/office/2006/metadata/properties" xmlns:ns1="http://schemas.microsoft.com/sharepoint/v3" xmlns:ns2="71af3243-3dd4-4a8d-8c0d-dd76da1f02a5" xmlns:ns3="16c05727-aa75-4e4a-9b5f-8a80a1165891" xmlns:ns4="230e9df3-be65-4c73-a93b-d1236ebd677e" targetNamespace="http://schemas.microsoft.com/office/2006/metadata/properties" ma:root="true" ma:fieldsID="7dd78129e6a1811f84807ad11c651531" ns1:_="" ns2:_="" ns3:_="" ns4:_="">
     <xsd:import namespace="http://schemas.microsoft.com/sharepoint/v3"/>
@@ -9639,27 +9928,36 @@
 </ct:contentTypeSchema>
 </file>
 
-<file path=customXml/itemProps1.xml><?xml version="1.0" encoding="utf-8"?>
-<ds:datastoreItem xmlns:ds="http://schemas.openxmlformats.org/officeDocument/2006/customXml" ds:itemID="{49168DCE-134F-4610-A6AA-88CEBE8D71D2}">
-  <ds:schemaRefs>
-    <ds:schemaRef ds:uri="http://schemas.microsoft.com/office/2006/metadata/properties"/>
-    <ds:schemaRef ds:uri="http://schemas.microsoft.com/office/infopath/2007/PartnerControls"/>
-    <ds:schemaRef ds:uri="http://schemas.microsoft.com/sharepoint/v3"/>
-    <ds:schemaRef ds:uri="71af3243-3dd4-4a8d-8c0d-dd76da1f02a5"/>
-    <ds:schemaRef ds:uri="230e9df3-be65-4c73-a93b-d1236ebd677e"/>
-  </ds:schemaRefs>
-</ds:datastoreItem>
+<file path=customXml/item2.xml><?xml version="1.0" encoding="utf-8"?>
+<?mso-contentType ?>
+<FormTemplates xmlns="http://schemas.microsoft.com/sharepoint/v3/contenttype/forms">
+  <Display>DocumentLibraryForm</Display>
+  <Edit>DocumentLibraryForm</Edit>
+  <New>DocumentLibraryForm</New>
+</FormTemplates>
 </file>
 
-<file path=customXml/itemProps2.xml><?xml version="1.0" encoding="utf-8"?>
-<ds:datastoreItem xmlns:ds="http://schemas.openxmlformats.org/officeDocument/2006/customXml" ds:itemID="{CABF691C-888B-4061-8A6F-D5CE84A0254B}">
-  <ds:schemaRefs>
-    <ds:schemaRef ds:uri="http://schemas.microsoft.com/sharepoint/v3/contenttype/forms"/>
-  </ds:schemaRefs>
-</ds:datastoreItem>
+<file path=customXml/item3.xml><?xml version="1.0" encoding="utf-8"?>
+<p:properties xmlns:p="http://schemas.microsoft.com/office/2006/metadata/properties" xmlns:xsi="http://www.w3.org/2001/XMLSchema-instance" xmlns:pc="http://schemas.microsoft.com/office/infopath/2007/PartnerControls">
+  <documentManagement>
+    <_ip_UnifiedCompliancePolicyUIAction xmlns="http://schemas.microsoft.com/sharepoint/v3" xsi:nil="true"/>
+    <Image xmlns="71af3243-3dd4-4a8d-8c0d-dd76da1f02a5">
+      <Url xsi:nil="true"/>
+      <Description xsi:nil="true"/>
+    </Image>
+    <Status xmlns="71af3243-3dd4-4a8d-8c0d-dd76da1f02a5">Not started</Status>
+    <Background xmlns="71af3243-3dd4-4a8d-8c0d-dd76da1f02a5">false</Background>
+    <_ip_UnifiedCompliancePolicyProperties xmlns="http://schemas.microsoft.com/sharepoint/v3" xsi:nil="true"/>
+    <ImageTagsTaxHTField xmlns="71af3243-3dd4-4a8d-8c0d-dd76da1f02a5">
+      <Terms xmlns="http://schemas.microsoft.com/office/infopath/2007/PartnerControls"/>
+    </ImageTagsTaxHTField>
+    <TaxCatchAll xmlns="230e9df3-be65-4c73-a93b-d1236ebd677e" xsi:nil="true"/>
+    <MediaServiceKeyPoints xmlns="71af3243-3dd4-4a8d-8c0d-dd76da1f02a5" xsi:nil="true"/>
+  </documentManagement>
+</p:properties>
 </file>
 
-<file path=customXml/itemProps3.xml><?xml version="1.0" encoding="utf-8"?>
+<file path=customXml/itemProps1.xml><?xml version="1.0" encoding="utf-8"?>
 <ds:datastoreItem xmlns:ds="http://schemas.openxmlformats.org/officeDocument/2006/customXml" ds:itemID="{5EDE3176-A15D-46A3-BDDB-64A0D7363224}">
   <ds:schemaRefs>
     <ds:schemaRef ds:uri="http://schemas.microsoft.com/office/2006/metadata/contentType"/>
@@ -9680,6 +9978,26 @@
 </ds:datastoreItem>
 </file>
 
+<file path=customXml/itemProps2.xml><?xml version="1.0" encoding="utf-8"?>
+<ds:datastoreItem xmlns:ds="http://schemas.openxmlformats.org/officeDocument/2006/customXml" ds:itemID="{CABF691C-888B-4061-8A6F-D5CE84A0254B}">
+  <ds:schemaRefs>
+    <ds:schemaRef ds:uri="http://schemas.microsoft.com/sharepoint/v3/contenttype/forms"/>
+  </ds:schemaRefs>
+</ds:datastoreItem>
+</file>
+
+<file path=customXml/itemProps3.xml><?xml version="1.0" encoding="utf-8"?>
+<ds:datastoreItem xmlns:ds="http://schemas.openxmlformats.org/officeDocument/2006/customXml" ds:itemID="{49168DCE-134F-4610-A6AA-88CEBE8D71D2}">
+  <ds:schemaRefs>
+    <ds:schemaRef ds:uri="http://schemas.microsoft.com/office/2006/metadata/properties"/>
+    <ds:schemaRef ds:uri="http://schemas.microsoft.com/office/infopath/2007/PartnerControls"/>
+    <ds:schemaRef ds:uri="http://schemas.microsoft.com/sharepoint/v3"/>
+    <ds:schemaRef ds:uri="71af3243-3dd4-4a8d-8c0d-dd76da1f02a5"/>
+    <ds:schemaRef ds:uri="230e9df3-be65-4c73-a93b-d1236ebd677e"/>
+  </ds:schemaRefs>
+</ds:datastoreItem>
+</file>
+
 <file path=docMetadata/LabelInfo.xml><?xml version="1.0" encoding="utf-8"?>
 <clbl:labelList xmlns:clbl="http://schemas.microsoft.com/office/2020/mipLabelMetadata"/>
 </file>